--- a/project-photo-blog/notes/prezentation.pptx
+++ b/project-photo-blog/notes/prezentation.pptx
@@ -313,7 +313,7 @@
           <a:p>
             <a:fld id="{B4C71EC6-210F-42DE-9C53-41977AD35B3D}" type="datetimeFigureOut">
               <a:rPr lang="ru-RU" smtClean="0"/>
-              <a:t>23.11.2021</a:t>
+              <a:t>28.11.2021</a:t>
             </a:fld>
             <a:endParaRPr lang="ru-RU"/>
           </a:p>
@@ -478,7 +478,7 @@
           <a:p>
             <a:fld id="{B4C71EC6-210F-42DE-9C53-41977AD35B3D}" type="datetimeFigureOut">
               <a:rPr lang="ru-RU" smtClean="0"/>
-              <a:t>23.11.2021</a:t>
+              <a:t>28.11.2021</a:t>
             </a:fld>
             <a:endParaRPr lang="ru-RU"/>
           </a:p>
@@ -653,7 +653,7 @@
           <a:p>
             <a:fld id="{B4C71EC6-210F-42DE-9C53-41977AD35B3D}" type="datetimeFigureOut">
               <a:rPr lang="ru-RU" smtClean="0"/>
-              <a:t>23.11.2021</a:t>
+              <a:t>28.11.2021</a:t>
             </a:fld>
             <a:endParaRPr lang="ru-RU"/>
           </a:p>
@@ -818,7 +818,7 @@
           <a:p>
             <a:fld id="{B4C71EC6-210F-42DE-9C53-41977AD35B3D}" type="datetimeFigureOut">
               <a:rPr lang="ru-RU" smtClean="0"/>
-              <a:t>23.11.2021</a:t>
+              <a:t>28.11.2021</a:t>
             </a:fld>
             <a:endParaRPr lang="ru-RU"/>
           </a:p>
@@ -1059,7 +1059,7 @@
           <a:p>
             <a:fld id="{B4C71EC6-210F-42DE-9C53-41977AD35B3D}" type="datetimeFigureOut">
               <a:rPr lang="ru-RU" smtClean="0"/>
-              <a:t>23.11.2021</a:t>
+              <a:t>28.11.2021</a:t>
             </a:fld>
             <a:endParaRPr lang="ru-RU"/>
           </a:p>
@@ -1342,7 +1342,7 @@
           <a:p>
             <a:fld id="{B4C71EC6-210F-42DE-9C53-41977AD35B3D}" type="datetimeFigureOut">
               <a:rPr lang="ru-RU" smtClean="0"/>
-              <a:t>23.11.2021</a:t>
+              <a:t>28.11.2021</a:t>
             </a:fld>
             <a:endParaRPr lang="ru-RU"/>
           </a:p>
@@ -1759,7 +1759,7 @@
           <a:p>
             <a:fld id="{B4C71EC6-210F-42DE-9C53-41977AD35B3D}" type="datetimeFigureOut">
               <a:rPr lang="ru-RU" smtClean="0"/>
-              <a:t>23.11.2021</a:t>
+              <a:t>28.11.2021</a:t>
             </a:fld>
             <a:endParaRPr lang="ru-RU"/>
           </a:p>
@@ -1872,7 +1872,7 @@
           <a:p>
             <a:fld id="{B4C71EC6-210F-42DE-9C53-41977AD35B3D}" type="datetimeFigureOut">
               <a:rPr lang="ru-RU" smtClean="0"/>
-              <a:t>23.11.2021</a:t>
+              <a:t>28.11.2021</a:t>
             </a:fld>
             <a:endParaRPr lang="ru-RU"/>
           </a:p>
@@ -1962,7 +1962,7 @@
           <a:p>
             <a:fld id="{B4C71EC6-210F-42DE-9C53-41977AD35B3D}" type="datetimeFigureOut">
               <a:rPr lang="ru-RU" smtClean="0"/>
-              <a:t>23.11.2021</a:t>
+              <a:t>28.11.2021</a:t>
             </a:fld>
             <a:endParaRPr lang="ru-RU"/>
           </a:p>
@@ -2234,7 +2234,7 @@
           <a:p>
             <a:fld id="{B4C71EC6-210F-42DE-9C53-41977AD35B3D}" type="datetimeFigureOut">
               <a:rPr lang="ru-RU" smtClean="0"/>
-              <a:t>23.11.2021</a:t>
+              <a:t>28.11.2021</a:t>
             </a:fld>
             <a:endParaRPr lang="ru-RU"/>
           </a:p>
@@ -2482,7 +2482,7 @@
           <a:p>
             <a:fld id="{B4C71EC6-210F-42DE-9C53-41977AD35B3D}" type="datetimeFigureOut">
               <a:rPr lang="ru-RU" smtClean="0"/>
-              <a:t>23.11.2021</a:t>
+              <a:t>28.11.2021</a:t>
             </a:fld>
             <a:endParaRPr lang="ru-RU"/>
           </a:p>
@@ -2690,7 +2690,7 @@
           <a:p>
             <a:fld id="{B4C71EC6-210F-42DE-9C53-41977AD35B3D}" type="datetimeFigureOut">
               <a:rPr lang="ru-RU" smtClean="0"/>
-              <a:t>23.11.2021</a:t>
+              <a:t>28.11.2021</a:t>
             </a:fld>
             <a:endParaRPr lang="ru-RU"/>
           </a:p>
@@ -4032,7 +4032,7 @@
         <p:spPr>
           <a:xfrm>
             <a:off x="1475656" y="1535974"/>
-            <a:ext cx="3168353" cy="1292662"/>
+            <a:ext cx="3168353" cy="1569660"/>
           </a:xfrm>
           <a:prstGeom prst="rect">
             <a:avLst/>
@@ -4081,7 +4081,21 @@
             </a:r>
             <a:r>
               <a:rPr lang="en-US" dirty="0" smtClean="0"/>
-              <a:t> SQL</a:t>
+              <a:t> </a:t>
+            </a:r>
+            <a:r>
+              <a:rPr lang="en-US" dirty="0" smtClean="0"/>
+              <a:t>SQL</a:t>
+            </a:r>
+          </a:p>
+          <a:p>
+            <a:pPr marL="342900" indent="-342900">
+              <a:buFont typeface="+mj-lt"/>
+              <a:buAutoNum type="arabicPeriod"/>
+            </a:pPr>
+            <a:r>
+              <a:rPr lang="en-US" dirty="0" err="1" smtClean="0"/>
+              <a:t>Liquibase</a:t>
             </a:r>
             <a:endParaRPr lang="ru-RU" dirty="0"/>
           </a:p>
@@ -4156,7 +4170,7 @@
         <p:spPr>
           <a:xfrm>
             <a:off x="3275856" y="4149080"/>
-            <a:ext cx="3168353" cy="1015663"/>
+            <a:ext cx="3168353" cy="1292662"/>
           </a:xfrm>
           <a:prstGeom prst="rect">
             <a:avLst/>
@@ -4171,8 +4185,9 @@
           <a:p>
             <a:r>
               <a:rPr lang="en-US" sz="2400" dirty="0" smtClean="0"/>
-              <a:t>IDE:</a:t>
-            </a:r>
+              <a:t>IDE and Tools:</a:t>
+            </a:r>
+            <a:endParaRPr lang="en-US" sz="2400" dirty="0" smtClean="0"/>
           </a:p>
           <a:p>
             <a:pPr marL="342900" indent="-342900">
@@ -4191,7 +4206,18 @@
             </a:pPr>
             <a:r>
               <a:rPr lang="en-US" dirty="0" err="1" smtClean="0"/>
-              <a:t>DBeaver</a:t>
+              <a:t>Dbeaver</a:t>
+            </a:r>
+            <a:endParaRPr lang="en-US" dirty="0" smtClean="0"/>
+          </a:p>
+          <a:p>
+            <a:pPr marL="342900" indent="-342900">
+              <a:buFont typeface="+mj-lt"/>
+              <a:buAutoNum type="arabicPeriod"/>
+            </a:pPr>
+            <a:r>
+              <a:rPr lang="en-US" dirty="0" smtClean="0"/>
+              <a:t>Postman</a:t>
             </a:r>
             <a:endParaRPr lang="en-US" dirty="0" smtClean="0"/>
           </a:p>
@@ -4309,7 +4335,7 @@
         </p:blipFill>
         <p:spPr>
           <a:xfrm>
-            <a:off x="1067551" y="2494789"/>
+            <a:off x="1064036" y="2424658"/>
             <a:ext cx="315309" cy="325297"/>
           </a:xfrm>
           <a:prstGeom prst="rect">
@@ -4339,7 +4365,7 @@
         </p:blipFill>
         <p:spPr>
           <a:xfrm>
-            <a:off x="1046854" y="2197752"/>
+            <a:off x="1046854" y="2164236"/>
             <a:ext cx="325297" cy="325297"/>
           </a:xfrm>
           <a:prstGeom prst="rect">
@@ -4369,7 +4395,7 @@
         </p:blipFill>
         <p:spPr>
           <a:xfrm>
-            <a:off x="1046855" y="1881500"/>
+            <a:off x="1031089" y="1872453"/>
             <a:ext cx="325297" cy="325297"/>
           </a:xfrm>
           <a:prstGeom prst="rect">
@@ -4399,8 +4425,8 @@
         </p:blipFill>
         <p:spPr>
           <a:xfrm>
-            <a:off x="2815859" y="4837462"/>
-            <a:ext cx="487945" cy="325297"/>
+            <a:off x="2669066" y="4616078"/>
+            <a:ext cx="781531" cy="521022"/>
           </a:xfrm>
           <a:prstGeom prst="rect">
             <a:avLst/>
@@ -4429,7 +4455,67 @@
         </p:blipFill>
         <p:spPr>
           <a:xfrm>
-            <a:off x="2897183" y="4549470"/>
+            <a:off x="2897183" y="4412277"/>
+            <a:ext cx="325297" cy="325297"/>
+          </a:xfrm>
+          <a:prstGeom prst="rect">
+            <a:avLst/>
+          </a:prstGeom>
+        </p:spPr>
+      </p:pic>
+      <p:pic>
+        <p:nvPicPr>
+          <p:cNvPr id="16" name="Рисунок 15"/>
+          <p:cNvPicPr>
+            <a:picLocks noChangeAspect="1"/>
+          </p:cNvPicPr>
+          <p:nvPr/>
+        </p:nvPicPr>
+        <p:blipFill>
+          <a:blip r:embed="rId11" cstate="print">
+            <a:extLst>
+              <a:ext uri="{28A0092B-C50C-407E-A947-70E740481C1C}">
+                <a14:useLocalDpi xmlns:a14="http://schemas.microsoft.com/office/drawing/2010/main" val="0"/>
+              </a:ext>
+            </a:extLst>
+          </a:blip>
+          <a:stretch>
+            <a:fillRect/>
+          </a:stretch>
+        </p:blipFill>
+        <p:spPr>
+          <a:xfrm>
+            <a:off x="1066526" y="2755011"/>
+            <a:ext cx="315309" cy="315309"/>
+          </a:xfrm>
+          <a:prstGeom prst="rect">
+            <a:avLst/>
+          </a:prstGeom>
+        </p:spPr>
+      </p:pic>
+      <p:pic>
+        <p:nvPicPr>
+          <p:cNvPr id="17" name="Рисунок 16"/>
+          <p:cNvPicPr>
+            <a:picLocks noChangeAspect="1"/>
+          </p:cNvPicPr>
+          <p:nvPr/>
+        </p:nvPicPr>
+        <p:blipFill>
+          <a:blip r:embed="rId12" cstate="print">
+            <a:extLst>
+              <a:ext uri="{28A0092B-C50C-407E-A947-70E740481C1C}">
+                <a14:useLocalDpi xmlns:a14="http://schemas.microsoft.com/office/drawing/2010/main" val="0"/>
+              </a:ext>
+            </a:extLst>
+          </a:blip>
+          <a:stretch>
+            <a:fillRect/>
+          </a:stretch>
+        </p:blipFill>
+        <p:spPr>
+          <a:xfrm>
+            <a:off x="2909014" y="5027764"/>
             <a:ext cx="325297" cy="325297"/>
           </a:xfrm>
           <a:prstGeom prst="rect">

--- a/project-photo-blog/notes/prezentation.pptx
+++ b/project-photo-blog/notes/prezentation.pptx
@@ -313,7 +313,7 @@
           <a:p>
             <a:fld id="{B4C71EC6-210F-42DE-9C53-41977AD35B3D}" type="datetimeFigureOut">
               <a:rPr lang="ru-RU" smtClean="0"/>
-              <a:t>28.11.2021</a:t>
+              <a:t>29.11.2021</a:t>
             </a:fld>
             <a:endParaRPr lang="ru-RU"/>
           </a:p>
@@ -478,7 +478,7 @@
           <a:p>
             <a:fld id="{B4C71EC6-210F-42DE-9C53-41977AD35B3D}" type="datetimeFigureOut">
               <a:rPr lang="ru-RU" smtClean="0"/>
-              <a:t>28.11.2021</a:t>
+              <a:t>29.11.2021</a:t>
             </a:fld>
             <a:endParaRPr lang="ru-RU"/>
           </a:p>
@@ -653,7 +653,7 @@
           <a:p>
             <a:fld id="{B4C71EC6-210F-42DE-9C53-41977AD35B3D}" type="datetimeFigureOut">
               <a:rPr lang="ru-RU" smtClean="0"/>
-              <a:t>28.11.2021</a:t>
+              <a:t>29.11.2021</a:t>
             </a:fld>
             <a:endParaRPr lang="ru-RU"/>
           </a:p>
@@ -818,7 +818,7 @@
           <a:p>
             <a:fld id="{B4C71EC6-210F-42DE-9C53-41977AD35B3D}" type="datetimeFigureOut">
               <a:rPr lang="ru-RU" smtClean="0"/>
-              <a:t>28.11.2021</a:t>
+              <a:t>29.11.2021</a:t>
             </a:fld>
             <a:endParaRPr lang="ru-RU"/>
           </a:p>
@@ -1059,7 +1059,7 @@
           <a:p>
             <a:fld id="{B4C71EC6-210F-42DE-9C53-41977AD35B3D}" type="datetimeFigureOut">
               <a:rPr lang="ru-RU" smtClean="0"/>
-              <a:t>28.11.2021</a:t>
+              <a:t>29.11.2021</a:t>
             </a:fld>
             <a:endParaRPr lang="ru-RU"/>
           </a:p>
@@ -1342,7 +1342,7 @@
           <a:p>
             <a:fld id="{B4C71EC6-210F-42DE-9C53-41977AD35B3D}" type="datetimeFigureOut">
               <a:rPr lang="ru-RU" smtClean="0"/>
-              <a:t>28.11.2021</a:t>
+              <a:t>29.11.2021</a:t>
             </a:fld>
             <a:endParaRPr lang="ru-RU"/>
           </a:p>
@@ -1759,7 +1759,7 @@
           <a:p>
             <a:fld id="{B4C71EC6-210F-42DE-9C53-41977AD35B3D}" type="datetimeFigureOut">
               <a:rPr lang="ru-RU" smtClean="0"/>
-              <a:t>28.11.2021</a:t>
+              <a:t>29.11.2021</a:t>
             </a:fld>
             <a:endParaRPr lang="ru-RU"/>
           </a:p>
@@ -1872,7 +1872,7 @@
           <a:p>
             <a:fld id="{B4C71EC6-210F-42DE-9C53-41977AD35B3D}" type="datetimeFigureOut">
               <a:rPr lang="ru-RU" smtClean="0"/>
-              <a:t>28.11.2021</a:t>
+              <a:t>29.11.2021</a:t>
             </a:fld>
             <a:endParaRPr lang="ru-RU"/>
           </a:p>
@@ -1962,7 +1962,7 @@
           <a:p>
             <a:fld id="{B4C71EC6-210F-42DE-9C53-41977AD35B3D}" type="datetimeFigureOut">
               <a:rPr lang="ru-RU" smtClean="0"/>
-              <a:t>28.11.2021</a:t>
+              <a:t>29.11.2021</a:t>
             </a:fld>
             <a:endParaRPr lang="ru-RU"/>
           </a:p>
@@ -2234,7 +2234,7 @@
           <a:p>
             <a:fld id="{B4C71EC6-210F-42DE-9C53-41977AD35B3D}" type="datetimeFigureOut">
               <a:rPr lang="ru-RU" smtClean="0"/>
-              <a:t>28.11.2021</a:t>
+              <a:t>29.11.2021</a:t>
             </a:fld>
             <a:endParaRPr lang="ru-RU"/>
           </a:p>
@@ -2482,7 +2482,7 @@
           <a:p>
             <a:fld id="{B4C71EC6-210F-42DE-9C53-41977AD35B3D}" type="datetimeFigureOut">
               <a:rPr lang="ru-RU" smtClean="0"/>
-              <a:t>28.11.2021</a:t>
+              <a:t>29.11.2021</a:t>
             </a:fld>
             <a:endParaRPr lang="ru-RU"/>
           </a:p>
@@ -2690,7 +2690,7 @@
           <a:p>
             <a:fld id="{B4C71EC6-210F-42DE-9C53-41977AD35B3D}" type="datetimeFigureOut">
               <a:rPr lang="ru-RU" smtClean="0"/>
-              <a:t>28.11.2021</a:t>
+              <a:t>29.11.2021</a:t>
             </a:fld>
             <a:endParaRPr lang="ru-RU"/>
           </a:p>
@@ -4081,11 +4081,7 @@
             </a:r>
             <a:r>
               <a:rPr lang="en-US" dirty="0" smtClean="0"/>
-              <a:t> </a:t>
-            </a:r>
-            <a:r>
-              <a:rPr lang="en-US" dirty="0" smtClean="0"/>
-              <a:t>SQL</a:t>
+              <a:t> SQL</a:t>
             </a:r>
           </a:p>
           <a:p>
@@ -4110,7 +4106,7 @@
         <p:spPr>
           <a:xfrm>
             <a:off x="5724128" y="2492896"/>
-            <a:ext cx="2906565" cy="1292662"/>
+            <a:ext cx="3440557" cy="1292662"/>
           </a:xfrm>
           <a:prstGeom prst="rect">
             <a:avLst/>
@@ -4155,7 +4151,7 @@
             </a:pPr>
             <a:r>
               <a:rPr lang="en-US" dirty="0" smtClean="0"/>
-              <a:t>Prime NG (UI framework)</a:t>
+              <a:t>Angular Material UI framework</a:t>
             </a:r>
             <a:endParaRPr lang="ru-RU" dirty="0"/>
           </a:p>
@@ -4187,7 +4183,6 @@
               <a:rPr lang="en-US" sz="2400" dirty="0" smtClean="0"/>
               <a:t>IDE and Tools:</a:t>
             </a:r>
-            <a:endParaRPr lang="en-US" sz="2400" dirty="0" smtClean="0"/>
           </a:p>
           <a:p>
             <a:pPr marL="342900" indent="-342900">
@@ -4219,7 +4214,6 @@
               <a:rPr lang="en-US" dirty="0" smtClean="0"/>
               <a:t>Postman</a:t>
             </a:r>
-            <a:endParaRPr lang="en-US" dirty="0" smtClean="0"/>
           </a:p>
         </p:txBody>
       </p:sp>
@@ -4245,8 +4239,8 @@
         </p:blipFill>
         <p:spPr>
           <a:xfrm>
-            <a:off x="5295327" y="3450635"/>
-            <a:ext cx="325297" cy="325297"/>
+            <a:off x="5295327" y="3502659"/>
+            <a:ext cx="325297" cy="221249"/>
           </a:xfrm>
           <a:prstGeom prst="rect">
             <a:avLst/>

--- a/project-photo-blog/notes/prezentation.pptx
+++ b/project-photo-blog/notes/prezentation.pptx
@@ -14609,7 +14609,7 @@
         </p:nvSpPr>
         <p:spPr>
           <a:xfrm>
-            <a:off x="683568" y="2348880"/>
+            <a:off x="758056" y="1801222"/>
             <a:ext cx="7772400" cy="1470025"/>
           </a:xfrm>
         </p:spPr>
@@ -14645,18 +14645,6 @@
               <a:rPr lang="en-US" dirty="0"/>
             </a:br>
             <a:r>
-              <a:rPr lang="en-US" dirty="0"/>
-              <a:t>(</a:t>
-            </a:r>
-            <a:r>
-              <a:rPr lang="ru-RU" dirty="0"/>
-              <a:t>на </a:t>
-            </a:r>
-            <a:r>
-              <a:rPr lang="en-US" dirty="0"/>
-              <a:t>Java Spring + Angular JS)</a:t>
-            </a:r>
-            <a:r>
               <a:rPr lang="ru-RU" dirty="0"/>
               <a:t/>
             </a:r>
@@ -14687,7 +14675,7 @@
         <p:spPr>
           <a:xfrm>
             <a:off x="1331640" y="332656"/>
-            <a:ext cx="6400800" cy="694928"/>
+            <a:ext cx="6400800" cy="432048"/>
           </a:xfrm>
         </p:spPr>
         <p:txBody>
@@ -14711,7 +14699,7 @@
         </p:nvSpPr>
         <p:spPr>
           <a:xfrm>
-            <a:off x="4473577" y="4797152"/>
+            <a:off x="1619672" y="5985284"/>
             <a:ext cx="4240560" cy="694928"/>
           </a:xfrm>
           <a:prstGeom prst="rect">
@@ -14992,7 +14980,7 @@
         </p:blipFill>
         <p:spPr>
           <a:xfrm>
-            <a:off x="3190610" y="4689140"/>
+            <a:off x="251520" y="5877272"/>
             <a:ext cx="1012367" cy="910952"/>
           </a:xfrm>
           <a:prstGeom prst="rect">
@@ -15006,6 +14994,36 @@
           <a:effectLst>
             <a:softEdge rad="241300"/>
           </a:effectLst>
+        </p:spPr>
+      </p:pic>
+      <p:pic>
+        <p:nvPicPr>
+          <p:cNvPr id="6" name="Рисунок 5"/>
+          <p:cNvPicPr>
+            <a:picLocks noChangeAspect="1"/>
+          </p:cNvPicPr>
+          <p:nvPr/>
+        </p:nvPicPr>
+        <p:blipFill>
+          <a:blip r:embed="rId3">
+            <a:extLst>
+              <a:ext uri="{28A0092B-C50C-407E-A947-70E740481C1C}">
+                <a14:useLocalDpi xmlns:a14="http://schemas.microsoft.com/office/drawing/2010/main" val="0"/>
+              </a:ext>
+            </a:extLst>
+          </a:blip>
+          <a:stretch>
+            <a:fillRect/>
+          </a:stretch>
+        </p:blipFill>
+        <p:spPr>
+          <a:xfrm>
+            <a:off x="467544" y="2060848"/>
+            <a:ext cx="8353425" cy="3038475"/>
+          </a:xfrm>
+          <a:prstGeom prst="rect">
+            <a:avLst/>
+          </a:prstGeom>
         </p:spPr>
       </p:pic>
     </p:spTree>
@@ -15181,8 +15199,8 @@
         </p:blipFill>
         <p:spPr>
           <a:xfrm>
-            <a:off x="35565" y="1124744"/>
-            <a:ext cx="9072869" cy="5733256"/>
+            <a:off x="35496" y="1124744"/>
+            <a:ext cx="8928992" cy="5733256"/>
           </a:xfrm>
           <a:prstGeom prst="rect">
             <a:avLst/>
@@ -15450,7 +15468,6 @@
               <a:rPr lang="en-US" sz="2800" dirty="0" smtClean="0"/>
               <a:t>Spring framework.</a:t>
             </a:r>
-            <a:endParaRPr lang="en-US" sz="2800" dirty="0" smtClean="0"/>
           </a:p>
         </p:txBody>
       </p:sp>
@@ -16126,7 +16143,6 @@
               <a:rPr lang="ru-RU" sz="2800" dirty="0" smtClean="0"/>
               <a:t>Хотел, но не успел (освоить) развернуть проект в облаке.</a:t>
             </a:r>
-            <a:endParaRPr lang="ru-RU" sz="2800" dirty="0" smtClean="0"/>
           </a:p>
         </p:txBody>
       </p:sp>
@@ -17012,11 +17028,7 @@
             </a:r>
             <a:r>
               <a:rPr lang="en-US" sz="2800" dirty="0" smtClean="0"/>
-              <a:t>Spring </a:t>
-            </a:r>
-            <a:r>
-              <a:rPr lang="en-US" sz="2800" dirty="0" smtClean="0"/>
-              <a:t>framework</a:t>
+              <a:t>Spring framework</a:t>
             </a:r>
             <a:r>
               <a:rPr lang="ru-RU" sz="2800" dirty="0" smtClean="0"/>
@@ -17066,15 +17078,7 @@
             </a:pPr>
             <a:r>
               <a:rPr lang="ru-RU" sz="2800" dirty="0" smtClean="0"/>
-              <a:t>1+2 = 3 . Написано учебное </a:t>
-            </a:r>
-            <a:r>
-              <a:rPr lang="ru-RU" sz="2800" dirty="0" smtClean="0"/>
-              <a:t>веб </a:t>
-            </a:r>
-            <a:r>
-              <a:rPr lang="ru-RU" sz="2800" dirty="0" smtClean="0"/>
-              <a:t>приложение </a:t>
+              <a:t>1+2 = 3 . Написано учебное веб приложение </a:t>
             </a:r>
             <a:r>
               <a:rPr lang="ru-RU" sz="2800" dirty="0"/>
@@ -17112,15 +17116,7 @@
             </a:pPr>
             <a:r>
               <a:rPr lang="ru-RU" sz="2800" dirty="0" smtClean="0"/>
-              <a:t>Выбрал </a:t>
-            </a:r>
-            <a:r>
-              <a:rPr lang="ru-RU" sz="2800" dirty="0" smtClean="0"/>
-              <a:t>для себя направление роста (в глубину) </a:t>
-            </a:r>
-            <a:r>
-              <a:rPr lang="ru-RU" sz="2800" dirty="0" smtClean="0"/>
-              <a:t>всё-таки </a:t>
+              <a:t>Выбрал для себя направление роста (в глубину) всё-таки </a:t>
             </a:r>
             <a:r>
               <a:rPr lang="ru-RU" sz="2800" dirty="0" err="1" smtClean="0"/>
@@ -17492,8 +17488,8 @@
         </p:blipFill>
         <p:spPr>
           <a:xfrm>
-            <a:off x="0" y="1124744"/>
-            <a:ext cx="8934450" cy="5223668"/>
+            <a:off x="251520" y="1124744"/>
+            <a:ext cx="8682930" cy="5223668"/>
           </a:xfrm>
           <a:prstGeom prst="rect">
             <a:avLst/>
